--- a/logo/flopy-logo.pptx
+++ b/logo/flopy-logo.pptx
@@ -3103,8 +3103,8 @@
         </p:nvSpPr>
         <p:spPr>
           <a:xfrm>
-            <a:off x="3886200" y="256855"/>
-            <a:ext cx="1425390" cy="646331"/>
+            <a:off x="1601912" y="152400"/>
+            <a:ext cx="1401345" cy="646331"/>
           </a:xfrm>
           <a:prstGeom prst="rect">
             <a:avLst/>
@@ -3119,32 +3119,63 @@
           <a:p>
             <a:pPr algn="ctr"/>
             <a:r>
-              <a:rPr lang="en-US" b="1" smtClean="0">
-                <a:latin typeface="Courier New" panose="02070309020205020404" pitchFamily="49" charset="0"/>
+              <a:rPr lang="en-US" sz="3600" b="1" smtClean="0">
+                <a:latin typeface="Baskerville Old Face" panose="02020602080505020303" pitchFamily="18" charset="0"/>
                 <a:cs typeface="Courier New" panose="02070309020205020404" pitchFamily="49" charset="0"/>
               </a:rPr>
-              <a:t>Flopy </a:t>
-            </a:r>
-          </a:p>
-          <a:p>
-            <a:pPr algn="ctr"/>
-            <a:r>
-              <a:rPr lang="en-US" b="1" smtClean="0">
-                <a:latin typeface="Courier New" panose="02070309020205020404" pitchFamily="49" charset="0"/>
+              <a:t>FloPy</a:t>
+            </a:r>
+            <a:r>
+              <a:rPr lang="en-US" sz="3600" b="1" baseline="-25000" smtClean="0">
+                <a:latin typeface="Baskerville Old Face" panose="02020602080505020303" pitchFamily="18" charset="0"/>
                 <a:cs typeface="Courier New" panose="02070309020205020404" pitchFamily="49" charset="0"/>
               </a:rPr>
-              <a:t>Version 3</a:t>
-            </a:r>
-            <a:endParaRPr lang="en-US" b="1">
-              <a:latin typeface="Courier New" panose="02070309020205020404" pitchFamily="49" charset="0"/>
+              <a:t>3</a:t>
+            </a:r>
+            <a:endParaRPr lang="en-US" sz="3600" b="1" baseline="-25000">
+              <a:latin typeface="Baskerville Old Face" panose="02020602080505020303" pitchFamily="18" charset="0"/>
               <a:cs typeface="Courier New" panose="02070309020205020404" pitchFamily="49" charset="0"/>
             </a:endParaRPr>
           </a:p>
         </p:txBody>
       </p:sp>
+      <p:sp>
+        <p:nvSpPr>
+          <p:cNvPr id="2" name="TextBox 1"/>
+          <p:cNvSpPr txBox="1"/>
+          <p:nvPr/>
+        </p:nvSpPr>
+        <p:spPr>
+          <a:xfrm>
+            <a:off x="1600200" y="739470"/>
+            <a:ext cx="5715000" cy="307777"/>
+          </a:xfrm>
+          <a:prstGeom prst="rect">
+            <a:avLst/>
+          </a:prstGeom>
+          <a:noFill/>
+        </p:spPr>
+        <p:txBody>
+          <a:bodyPr wrap="square" rtlCol="0">
+            <a:spAutoFit/>
+          </a:bodyPr>
+          <a:lstStyle/>
+          <a:p>
+            <a:r>
+              <a:rPr lang="en-US" sz="1400" smtClean="0">
+                <a:latin typeface="Baskerville Old Face" panose="02020602080505020303" pitchFamily="18" charset="0"/>
+              </a:rPr>
+              <a:t>a Python package to create, run, and post-process MODFLOW-based models</a:t>
+            </a:r>
+            <a:endParaRPr lang="en-US" sz="1400">
+              <a:latin typeface="Baskerville Old Face" panose="02020602080505020303" pitchFamily="18" charset="0"/>
+            </a:endParaRPr>
+          </a:p>
+        </p:txBody>
+      </p:sp>
       <p:pic>
         <p:nvPicPr>
-          <p:cNvPr id="1026" name="Picture 2"/>
+          <p:cNvPr id="3" name="Picture 2" descr="Z:\Users\langevin\langevin\dev\flopy3doc\flopydoc.git\logo\capeHeads.png"/>
           <p:cNvPicPr>
             <a:picLocks noChangeAspect="1" noChangeArrowheads="1"/>
           </p:cNvPicPr>
@@ -3175,97 +3206,20 @@
         </p:blipFill>
         <p:spPr bwMode="auto">
           <a:xfrm>
-            <a:off x="2462368" y="228600"/>
-            <a:ext cx="966632" cy="685800"/>
+            <a:off x="413311" y="76200"/>
+            <a:ext cx="1415489" cy="1219200"/>
           </a:xfrm>
           <a:prstGeom prst="rect">
             <a:avLst/>
           </a:prstGeom>
           <a:noFill/>
-          <a:ln>
-            <a:noFill/>
-          </a:ln>
           <a:extLst>
             <a:ext uri="{909E8E84-426E-40DD-AFC4-6F175D3DCCD1}">
               <a14:hiddenFill xmlns:a14="http://schemas.microsoft.com/office/drawing/2010/main">
                 <a:solidFill>
-                  <a:schemeClr val="accent1"/>
+                  <a:srgbClr val="FFFFFF"/>
                 </a:solidFill>
               </a14:hiddenFill>
-            </a:ext>
-            <a:ext uri="{91240B29-F687-4F45-9708-019B960494DF}">
-              <a14:hiddenLine xmlns:a14="http://schemas.microsoft.com/office/drawing/2010/main" w="9525">
-                <a:solidFill>
-                  <a:schemeClr val="tx1"/>
-                </a:solidFill>
-                <a:miter lim="800000"/>
-                <a:headEnd/>
-                <a:tailEnd/>
-              </a14:hiddenLine>
-            </a:ext>
-          </a:extLst>
-        </p:spPr>
-      </p:pic>
-      <p:pic>
-        <p:nvPicPr>
-          <p:cNvPr id="6" name="Picture 2"/>
-          <p:cNvPicPr>
-            <a:picLocks noChangeAspect="1" noChangeArrowheads="1"/>
-          </p:cNvPicPr>
-          <p:nvPr/>
-        </p:nvPicPr>
-        <p:blipFill>
-          <a:blip r:embed="rId2" cstate="print">
-            <a:clrChange>
-              <a:clrFrom>
-                <a:srgbClr val="FFFFFF"/>
-              </a:clrFrom>
-              <a:clrTo>
-                <a:srgbClr val="FFFFFF">
-                  <a:alpha val="0"/>
-                </a:srgbClr>
-              </a:clrTo>
-            </a:clrChange>
-            <a:extLst>
-              <a:ext uri="{28A0092B-C50C-407E-A947-70E740481C1C}">
-                <a14:useLocalDpi xmlns:a14="http://schemas.microsoft.com/office/drawing/2010/main" val="0"/>
-              </a:ext>
-            </a:extLst>
-          </a:blip>
-          <a:srcRect/>
-          <a:stretch>
-            <a:fillRect/>
-          </a:stretch>
-        </p:blipFill>
-        <p:spPr bwMode="auto">
-          <a:xfrm>
-            <a:off x="5853411" y="228600"/>
-            <a:ext cx="966632" cy="685800"/>
-          </a:xfrm>
-          <a:prstGeom prst="rect">
-            <a:avLst/>
-          </a:prstGeom>
-          <a:noFill/>
-          <a:ln>
-            <a:noFill/>
-          </a:ln>
-          <a:extLst>
-            <a:ext uri="{909E8E84-426E-40DD-AFC4-6F175D3DCCD1}">
-              <a14:hiddenFill xmlns:a14="http://schemas.microsoft.com/office/drawing/2010/main">
-                <a:solidFill>
-                  <a:schemeClr val="accent1"/>
-                </a:solidFill>
-              </a14:hiddenFill>
-            </a:ext>
-            <a:ext uri="{91240B29-F687-4F45-9708-019B960494DF}">
-              <a14:hiddenLine xmlns:a14="http://schemas.microsoft.com/office/drawing/2010/main" w="9525">
-                <a:solidFill>
-                  <a:schemeClr val="tx1"/>
-                </a:solidFill>
-                <a:miter lim="800000"/>
-                <a:headEnd/>
-                <a:tailEnd/>
-              </a14:hiddenLine>
             </a:ext>
           </a:extLst>
         </p:spPr>
